--- a/slides/Presentation_Exams_Profs_2017.pptx
+++ b/slides/Presentation_Exams_Profs_2017.pptx
@@ -4107,7 +4107,7 @@
             </a:r>
             <a:r>
               <a:rPr lang="fr-FR" altLang="fr-FR"/>
-              <a:t>(bureau 00</a:t>
+              <a:t>(bureau 00134)</a:t>
             </a:r>
             <a:endParaRPr lang="fr-FR" altLang="fr-FR" dirty="0"/>
           </a:p>

--- a/slides/Presentation_Exams_Profs_2017.pptx
+++ b/slides/Presentation_Exams_Profs_2017.pptx
@@ -11210,7 +11210,7 @@
       </p:grpSpPr>
       <p:pic>
         <p:nvPicPr>
-          <p:cNvPr id="17" name="Picture 16"/>
+          <p:cNvPr id="5" name="Picture 4"/>
           <p:cNvPicPr>
             <a:picLocks noChangeAspect="1"/>
           </p:cNvPicPr>
@@ -11224,8 +11224,8 @@
         </p:blipFill>
         <p:spPr>
           <a:xfrm>
-            <a:off x="971556" y="1241020"/>
-            <a:ext cx="6954177" cy="4125859"/>
+            <a:off x="1103838" y="1506672"/>
+            <a:ext cx="6954177" cy="3385555"/>
           </a:xfrm>
           <a:prstGeom prst="rect">
             <a:avLst/>
@@ -11547,8 +11547,8 @@
         </p:nvCxnSpPr>
         <p:spPr bwMode="auto">
           <a:xfrm flipH="1">
-            <a:off x="7307103" y="1926634"/>
-            <a:ext cx="792088" cy="186407"/>
+            <a:off x="7285112" y="1986035"/>
+            <a:ext cx="640621" cy="294310"/>
           </a:xfrm>
           <a:prstGeom prst="straightConnector1">
             <a:avLst/>
@@ -11932,30 +11932,6 @@
           </a:p>
         </p:txBody>
       </p:sp>
-      <p:pic>
-        <p:nvPicPr>
-          <p:cNvPr id="16" name="Picture 15"/>
-          <p:cNvPicPr>
-            <a:picLocks noChangeAspect="1"/>
-          </p:cNvPicPr>
-          <p:nvPr/>
-        </p:nvPicPr>
-        <p:blipFill>
-          <a:blip r:embed="rId2"/>
-          <a:stretch>
-            <a:fillRect/>
-          </a:stretch>
-        </p:blipFill>
-        <p:spPr>
-          <a:xfrm>
-            <a:off x="1094911" y="1366070"/>
-            <a:ext cx="6954177" cy="4125859"/>
-          </a:xfrm>
-          <a:prstGeom prst="rect">
-            <a:avLst/>
-          </a:prstGeom>
-        </p:spPr>
-      </p:pic>
       <p:sp>
         <p:nvSpPr>
           <p:cNvPr id="18" name="ZoneTexte 5"/>
@@ -12040,6 +12016,30 @@
           </a:p>
         </p:txBody>
       </p:sp>
+      <p:pic>
+        <p:nvPicPr>
+          <p:cNvPr id="5" name="Picture 4"/>
+          <p:cNvPicPr>
+            <a:picLocks noChangeAspect="1"/>
+          </p:cNvPicPr>
+          <p:nvPr/>
+        </p:nvPicPr>
+        <p:blipFill>
+          <a:blip r:embed="rId2"/>
+          <a:stretch>
+            <a:fillRect/>
+          </a:stretch>
+        </p:blipFill>
+        <p:spPr>
+          <a:xfrm>
+            <a:off x="1043608" y="1700808"/>
+            <a:ext cx="6954177" cy="2953584"/>
+          </a:xfrm>
+          <a:prstGeom prst="rect">
+            <a:avLst/>
+          </a:prstGeom>
+        </p:spPr>
+      </p:pic>
     </p:spTree>
     <p:extLst>
       <p:ext uri="{BB962C8B-B14F-4D97-AF65-F5344CB8AC3E}">
